--- a/Chap6/JAVA 객체 지향 디자인 패턴 6장.pptx
+++ b/Chap6/JAVA 객체 지향 디자인 패턴 6장.pptx
@@ -276,7 +276,7 @@
           <a:p>
             <a:fld id="{CDB544B2-FF0C-4337-ACB0-D3A483BE0FB5}" type="datetimeFigureOut">
               <a:rPr lang="ko-KR" altLang="en-US" smtClean="0"/>
-              <a:t>2018-07-31</a:t>
+              <a:t>2018-08-08</a:t>
             </a:fld>
             <a:endParaRPr lang="ko-KR" altLang="en-US"/>
           </a:p>
@@ -441,7 +441,7 @@
           <a:p>
             <a:fld id="{44E6BD5F-0053-41DC-BECD-9AC54450D5D0}" type="datetimeFigureOut">
               <a:rPr lang="ko-KR" altLang="en-US" smtClean="0"/>
-              <a:t>2018-07-31</a:t>
+              <a:t>2018-08-08</a:t>
             </a:fld>
             <a:endParaRPr lang="ko-KR" altLang="en-US"/>
           </a:p>
@@ -2773,7 +2773,7 @@
             <a:fld id="{B61BEF0D-F0BB-DE4B-95CE-6DB70DBA9567}" type="datetimeFigureOut">
               <a:rPr lang="en-US" dirty="0"/>
               <a:pPr/>
-              <a:t>7/31/2018</a:t>
+              <a:t>8/8/2018</a:t>
             </a:fld>
             <a:endParaRPr lang="en-US" dirty="0"/>
           </a:p>
@@ -3028,7 +3028,7 @@
             <a:fld id="{B61BEF0D-F0BB-DE4B-95CE-6DB70DBA9567}" type="datetimeFigureOut">
               <a:rPr lang="en-US" dirty="0"/>
               <a:pPr/>
-              <a:t>7/31/2018</a:t>
+              <a:t>8/8/2018</a:t>
             </a:fld>
             <a:endParaRPr lang="en-US" dirty="0"/>
           </a:p>
@@ -3339,7 +3339,7 @@
             <a:fld id="{B61BEF0D-F0BB-DE4B-95CE-6DB70DBA9567}" type="datetimeFigureOut">
               <a:rPr lang="en-US" dirty="0"/>
               <a:pPr/>
-              <a:t>7/31/2018</a:t>
+              <a:t>8/8/2018</a:t>
             </a:fld>
             <a:endParaRPr lang="en-US" dirty="0"/>
           </a:p>
@@ -3676,7 +3676,7 @@
             <a:fld id="{B61BEF0D-F0BB-DE4B-95CE-6DB70DBA9567}" type="datetimeFigureOut">
               <a:rPr lang="en-US" dirty="0"/>
               <a:pPr/>
-              <a:t>7/31/2018</a:t>
+              <a:t>8/8/2018</a:t>
             </a:fld>
             <a:endParaRPr lang="en-US" dirty="0"/>
           </a:p>
@@ -3994,7 +3994,7 @@
             <a:fld id="{B61BEF0D-F0BB-DE4B-95CE-6DB70DBA9567}" type="datetimeFigureOut">
               <a:rPr lang="en-US" dirty="0"/>
               <a:pPr/>
-              <a:t>7/31/2018</a:t>
+              <a:t>8/8/2018</a:t>
             </a:fld>
             <a:endParaRPr lang="en-US" dirty="0"/>
           </a:p>
@@ -4391,7 +4391,7 @@
             <a:fld id="{B61BEF0D-F0BB-DE4B-95CE-6DB70DBA9567}" type="datetimeFigureOut">
               <a:rPr lang="en-US" dirty="0"/>
               <a:pPr/>
-              <a:t>7/31/2018</a:t>
+              <a:t>8/8/2018</a:t>
             </a:fld>
             <a:endParaRPr lang="en-US" dirty="0"/>
           </a:p>
@@ -4564,7 +4564,7 @@
           <a:p>
             <a:fld id="{55C6B4A9-1611-4792-9094-5F34BCA07E0B}" type="datetimeFigureOut">
               <a:rPr lang="en-US" dirty="0"/>
-              <a:t>7/31/2018</a:t>
+              <a:t>8/8/2018</a:t>
             </a:fld>
             <a:endParaRPr lang="en-US" dirty="0"/>
           </a:p>
@@ -4747,7 +4747,7 @@
             <a:fld id="{B61BEF0D-F0BB-DE4B-95CE-6DB70DBA9567}" type="datetimeFigureOut">
               <a:rPr lang="en-US" dirty="0"/>
               <a:pPr/>
-              <a:t>7/31/2018</a:t>
+              <a:t>8/8/2018</a:t>
             </a:fld>
             <a:endParaRPr lang="en-US" dirty="0"/>
           </a:p>
@@ -4920,7 +4920,7 @@
           <a:p>
             <a:fld id="{42A54C80-263E-416B-A8E0-580EDEADCBDC}" type="datetimeFigureOut">
               <a:rPr lang="en-US" dirty="0"/>
-              <a:t>7/31/2018</a:t>
+              <a:t>8/8/2018</a:t>
             </a:fld>
             <a:endParaRPr lang="en-US" dirty="0"/>
           </a:p>
@@ -5170,7 +5170,7 @@
             <a:fld id="{B61BEF0D-F0BB-DE4B-95CE-6DB70DBA9567}" type="datetimeFigureOut">
               <a:rPr lang="en-US" dirty="0"/>
               <a:pPr/>
-              <a:t>7/31/2018</a:t>
+              <a:t>8/8/2018</a:t>
             </a:fld>
             <a:endParaRPr lang="en-US" dirty="0"/>
           </a:p>
@@ -5405,7 +5405,7 @@
           <a:p>
             <a:fld id="{42A54C80-263E-416B-A8E0-580EDEADCBDC}" type="datetimeFigureOut">
               <a:rPr lang="en-US" dirty="0"/>
-              <a:t>7/31/2018</a:t>
+              <a:t>8/8/2018</a:t>
             </a:fld>
             <a:endParaRPr lang="en-US" dirty="0"/>
           </a:p>
@@ -5782,7 +5782,7 @@
             <a:fld id="{B61BEF0D-F0BB-DE4B-95CE-6DB70DBA9567}" type="datetimeFigureOut">
               <a:rPr lang="en-US" dirty="0"/>
               <a:pPr/>
-              <a:t>7/31/2018</a:t>
+              <a:t>8/8/2018</a:t>
             </a:fld>
             <a:endParaRPr lang="en-US" dirty="0"/>
           </a:p>
@@ -5909,7 +5909,7 @@
             <a:fld id="{B61BEF0D-F0BB-DE4B-95CE-6DB70DBA9567}" type="datetimeFigureOut">
               <a:rPr lang="en-US" dirty="0"/>
               <a:pPr/>
-              <a:t>7/31/2018</a:t>
+              <a:t>8/8/2018</a:t>
             </a:fld>
             <a:endParaRPr lang="en-US" dirty="0"/>
           </a:p>
@@ -6008,7 +6008,7 @@
             <a:fld id="{B61BEF0D-F0BB-DE4B-95CE-6DB70DBA9567}" type="datetimeFigureOut">
               <a:rPr lang="en-US" dirty="0"/>
               <a:pPr/>
-              <a:t>7/31/2018</a:t>
+              <a:t>8/8/2018</a:t>
             </a:fld>
             <a:endParaRPr lang="en-US" dirty="0"/>
           </a:p>
@@ -6266,7 +6266,7 @@
           <a:p>
             <a:fld id="{42A54C80-263E-416B-A8E0-580EDEADCBDC}" type="datetimeFigureOut">
               <a:rPr lang="en-US" dirty="0"/>
-              <a:t>7/31/2018</a:t>
+              <a:t>8/8/2018</a:t>
             </a:fld>
             <a:endParaRPr lang="en-US" dirty="0"/>
           </a:p>
@@ -6568,7 +6568,7 @@
             <a:fld id="{B61BEF0D-F0BB-DE4B-95CE-6DB70DBA9567}" type="datetimeFigureOut">
               <a:rPr lang="en-US" dirty="0"/>
               <a:pPr/>
-              <a:t>7/31/2018</a:t>
+              <a:t>8/8/2018</a:t>
             </a:fld>
             <a:endParaRPr lang="en-US" dirty="0"/>
           </a:p>
@@ -7266,7 +7266,7 @@
             <a:fld id="{B61BEF0D-F0BB-DE4B-95CE-6DB70DBA9567}" type="datetimeFigureOut">
               <a:rPr lang="en-US" dirty="0"/>
               <a:pPr/>
-              <a:t>7/31/2018</a:t>
+              <a:t>8/8/2018</a:t>
             </a:fld>
             <a:endParaRPr lang="en-US" dirty="0"/>
           </a:p>
@@ -9063,15 +9063,7 @@
                 <a:ea typeface="맑은 고딕" panose="020B0503020000020004" pitchFamily="50" charset="-127"/>
                 <a:cs typeface="Times New Roman" panose="02020603050405020304" pitchFamily="18" charset="0"/>
               </a:rPr>
-              <a:t>    </a:t>
-            </a:r>
-            <a:r>
-              <a:rPr lang="en-US" altLang="ko-KR" kern="100" dirty="0" smtClean="0">
-                <a:latin typeface="맑은 고딕" panose="020B0503020000020004" pitchFamily="50" charset="-127"/>
-                <a:ea typeface="맑은 고딕" panose="020B0503020000020004" pitchFamily="50" charset="-127"/>
-                <a:cs typeface="Times New Roman" panose="02020603050405020304" pitchFamily="18" charset="0"/>
-              </a:rPr>
-              <a:t>}</a:t>
+              <a:t>    }</a:t>
             </a:r>
           </a:p>
           <a:p>
@@ -9089,15 +9081,7 @@
                 <a:ea typeface="맑은 고딕" panose="020B0503020000020004" pitchFamily="50" charset="-127"/>
                 <a:cs typeface="Times New Roman" panose="02020603050405020304" pitchFamily="18" charset="0"/>
               </a:rPr>
-              <a:t>    public </a:t>
-            </a:r>
-            <a:r>
-              <a:rPr lang="en-US" altLang="ko-KR" kern="100" dirty="0" smtClean="0">
-                <a:latin typeface="맑은 고딕" panose="020B0503020000020004" pitchFamily="50" charset="-127"/>
-                <a:ea typeface="맑은 고딕" panose="020B0503020000020004" pitchFamily="50" charset="-127"/>
-                <a:cs typeface="Times New Roman" panose="02020603050405020304" pitchFamily="18" charset="0"/>
-              </a:rPr>
-              <a:t>void print(String </a:t>
+              <a:t>    public void print(String </a:t>
             </a:r>
             <a:r>
               <a:rPr lang="en-US" altLang="ko-KR" kern="100" dirty="0" err="1" smtClean="0">
@@ -9331,7 +9315,6 @@
               <a:rPr lang="en-US" altLang="ko-KR" sz="1800" dirty="0" smtClean="0"/>
               <a:t>.</a:t>
             </a:r>
-            <a:endParaRPr lang="en-US" altLang="ko-KR" sz="1800" dirty="0" smtClean="0"/>
           </a:p>
           <a:p>
             <a:pPr lvl="1">
@@ -9476,14 +9459,6 @@
               </a:rPr>
               <a:t> counter = 0;</a:t>
             </a:r>
-            <a:endParaRPr lang="en-US" altLang="ko-KR" kern="100" dirty="0" smtClean="0">
-              <a:solidFill>
-                <a:srgbClr val="FF0000"/>
-              </a:solidFill>
-              <a:latin typeface="맑은 고딕" panose="020B0503020000020004" pitchFamily="50" charset="-127"/>
-              <a:ea typeface="맑은 고딕" panose="020B0503020000020004" pitchFamily="50" charset="-127"/>
-              <a:cs typeface="Times New Roman" panose="02020603050405020304" pitchFamily="18" charset="0"/>
-            </a:endParaRPr>
           </a:p>
           <a:p>
             <a:pPr algn="just" latinLnBrk="1">
@@ -9518,15 +9493,7 @@
                 <a:ea typeface="맑은 고딕" panose="020B0503020000020004" pitchFamily="50" charset="-127"/>
                 <a:cs typeface="Times New Roman" panose="02020603050405020304" pitchFamily="18" charset="0"/>
               </a:rPr>
-              <a:t>    </a:t>
-            </a:r>
-            <a:r>
-              <a:rPr lang="en-US" altLang="ko-KR" kern="100" dirty="0" smtClean="0">
-                <a:latin typeface="맑은 고딕" panose="020B0503020000020004" pitchFamily="50" charset="-127"/>
-                <a:ea typeface="맑은 고딕" panose="020B0503020000020004" pitchFamily="50" charset="-127"/>
-                <a:cs typeface="Times New Roman" panose="02020603050405020304" pitchFamily="18" charset="0"/>
-              </a:rPr>
-              <a:t>public synchronized static Printer </a:t>
+              <a:t>    public synchronized static Printer </a:t>
             </a:r>
             <a:r>
               <a:rPr lang="en-US" altLang="ko-KR" kern="100" dirty="0" err="1" smtClean="0">
@@ -9568,21 +9535,8 @@
                 <a:ea typeface="맑은 고딕" panose="020B0503020000020004" pitchFamily="50" charset="-127"/>
                 <a:cs typeface="Times New Roman" panose="02020603050405020304" pitchFamily="18" charset="0"/>
               </a:rPr>
-              <a:t>       </a:t>
-            </a:r>
-            <a:r>
-              <a:rPr lang="en-US" altLang="ko-KR" kern="100" dirty="0" smtClean="0">
-                <a:latin typeface="맑은 고딕" panose="020B0503020000020004" pitchFamily="50" charset="-127"/>
-                <a:ea typeface="맑은 고딕" panose="020B0503020000020004" pitchFamily="50" charset="-127"/>
-                <a:cs typeface="Times New Roman" panose="02020603050405020304" pitchFamily="18" charset="0"/>
-              </a:rPr>
-              <a:t>…</a:t>
-            </a:r>
-            <a:endParaRPr lang="en-US" altLang="ko-KR" kern="100" dirty="0" smtClean="0">
-              <a:latin typeface="맑은 고딕" panose="020B0503020000020004" pitchFamily="50" charset="-127"/>
-              <a:ea typeface="맑은 고딕" panose="020B0503020000020004" pitchFamily="50" charset="-127"/>
-              <a:cs typeface="Times New Roman" panose="02020603050405020304" pitchFamily="18" charset="0"/>
-            </a:endParaRPr>
+              <a:t>       …</a:t>
+            </a:r>
           </a:p>
           <a:p>
             <a:pPr algn="just" latinLnBrk="1">
@@ -9599,15 +9553,7 @@
                 <a:ea typeface="맑은 고딕" panose="020B0503020000020004" pitchFamily="50" charset="-127"/>
                 <a:cs typeface="Times New Roman" panose="02020603050405020304" pitchFamily="18" charset="0"/>
               </a:rPr>
-              <a:t>    </a:t>
-            </a:r>
-            <a:r>
-              <a:rPr lang="en-US" altLang="ko-KR" kern="100" dirty="0" smtClean="0">
-                <a:latin typeface="맑은 고딕" panose="020B0503020000020004" pitchFamily="50" charset="-127"/>
-                <a:ea typeface="맑은 고딕" panose="020B0503020000020004" pitchFamily="50" charset="-127"/>
-                <a:cs typeface="Times New Roman" panose="02020603050405020304" pitchFamily="18" charset="0"/>
-              </a:rPr>
-              <a:t>} </a:t>
+              <a:t>    } </a:t>
             </a:r>
           </a:p>
           <a:p>
@@ -9633,23 +9579,7 @@
                 <a:ea typeface="맑은 고딕" panose="020B0503020000020004" pitchFamily="50" charset="-127"/>
                 <a:cs typeface="Times New Roman" panose="02020603050405020304" pitchFamily="18" charset="0"/>
               </a:rPr>
-              <a:t>   </a:t>
-            </a:r>
-            <a:r>
-              <a:rPr lang="en-US" altLang="ko-KR" kern="100" dirty="0" smtClean="0">
-                <a:latin typeface="맑은 고딕" panose="020B0503020000020004" pitchFamily="50" charset="-127"/>
-                <a:ea typeface="맑은 고딕" panose="020B0503020000020004" pitchFamily="50" charset="-127"/>
-                <a:cs typeface="Times New Roman" panose="02020603050405020304" pitchFamily="18" charset="0"/>
-              </a:rPr>
-              <a:t>public </a:t>
-            </a:r>
-            <a:r>
-              <a:rPr lang="en-US" altLang="ko-KR" kern="100" dirty="0" smtClean="0">
-                <a:latin typeface="맑은 고딕" panose="020B0503020000020004" pitchFamily="50" charset="-127"/>
-                <a:ea typeface="맑은 고딕" panose="020B0503020000020004" pitchFamily="50" charset="-127"/>
-                <a:cs typeface="Times New Roman" panose="02020603050405020304" pitchFamily="18" charset="0"/>
-              </a:rPr>
-              <a:t>void print(String </a:t>
+              <a:t>   public void print(String </a:t>
             </a:r>
             <a:r>
               <a:rPr lang="en-US" altLang="ko-KR" kern="100" dirty="0" err="1" smtClean="0">
@@ -9854,15 +9784,7 @@
                 <a:ea typeface="맑은 고딕" panose="020B0503020000020004" pitchFamily="50" charset="-127"/>
                 <a:cs typeface="Times New Roman" panose="02020603050405020304" pitchFamily="18" charset="0"/>
               </a:rPr>
-              <a:t>   </a:t>
-            </a:r>
-            <a:r>
-              <a:rPr lang="en-US" altLang="ko-KR" kern="100" dirty="0" smtClean="0">
-                <a:latin typeface="맑은 고딕" panose="020B0503020000020004" pitchFamily="50" charset="-127"/>
-                <a:ea typeface="맑은 고딕" panose="020B0503020000020004" pitchFamily="50" charset="-127"/>
-                <a:cs typeface="Times New Roman" panose="02020603050405020304" pitchFamily="18" charset="0"/>
-              </a:rPr>
-              <a:t>}</a:t>
+              <a:t>   }</a:t>
             </a:r>
             <a:endParaRPr lang="en-US" altLang="ko-KR" kern="100" dirty="0">
               <a:latin typeface="맑은 고딕" panose="020B0503020000020004" pitchFamily="50" charset="-127"/>
@@ -10421,7 +10343,6 @@
               <a:rPr lang="ko-KR" altLang="en-US" dirty="0"/>
               <a:t> 패턴과 정적 클래스</a:t>
             </a:r>
-            <a:endParaRPr lang="ko-KR" altLang="en-US" dirty="0"/>
           </a:p>
         </p:txBody>
       </p:sp>
@@ -10451,11 +10372,19 @@
             </a:r>
             <a:r>
               <a:rPr lang="ko-KR" altLang="en-US" dirty="0" err="1"/>
-              <a:t>실글턴</a:t>
+              <a:t>싱</a:t>
+            </a:r>
+            <a:r>
+              <a:rPr lang="ko-KR" altLang="en-US" dirty="0" err="1" smtClean="0"/>
+              <a:t>글턴</a:t>
+            </a:r>
+            <a:r>
+              <a:rPr lang="ko-KR" altLang="en-US" dirty="0" smtClean="0"/>
+              <a:t> </a:t>
             </a:r>
             <a:r>
               <a:rPr lang="ko-KR" altLang="en-US" dirty="0"/>
-              <a:t> 패턴을 사용하지 않고 정적 </a:t>
+              <a:t>패턴을 사용하지 않고 정적 </a:t>
             </a:r>
             <a:r>
               <a:rPr lang="ko-KR" altLang="en-US" dirty="0" err="1"/>
@@ -10567,7 +10496,6 @@
               <a:rPr lang="ko-KR" altLang="en-US" dirty="0"/>
               <a:t>클래스</a:t>
             </a:r>
-            <a:endParaRPr lang="ko-KR" altLang="en-US" dirty="0"/>
           </a:p>
         </p:txBody>
       </p:sp>
